--- a/ppt/闪电网络.pptx
+++ b/ppt/闪电网络.pptx
@@ -33,6 +33,10 @@
     <p:sldId id="278" r:id="rId30"/>
     <p:sldId id="279" r:id="rId31"/>
     <p:sldId id="280" r:id="rId32"/>
+    <p:sldId id="281" r:id="rId33"/>
+    <p:sldId id="282" r:id="rId34"/>
+    <p:sldId id="283" r:id="rId35"/>
+    <p:sldId id="284" r:id="rId36"/>
   </p:sldIdLst>
   <p:sldSz cx="13004800" cy="9753600"/>
   <p:notesSz cx="6858000" cy="9144000"/>
@@ -4195,9 +4199,88 @@
           </a:p>
         </p:txBody>
       </p:sp>
+      <p:pic>
+        <p:nvPicPr>
+          <p:cNvPr id="218" name="fullsizeoutput_37.jpeg" descr="fullsizeoutput_37.jpeg"/>
+          <p:cNvPicPr>
+            <a:picLocks noChangeAspect="1"/>
+          </p:cNvPicPr>
+          <p:nvPr/>
+        </p:nvPicPr>
+        <p:blipFill>
+          <a:blip r:embed="rId2">
+            <a:extLst/>
+          </a:blip>
+          <a:stretch>
+            <a:fillRect/>
+          </a:stretch>
+        </p:blipFill>
+        <p:spPr>
+          <a:xfrm>
+            <a:off x="1765300" y="2527300"/>
+            <a:ext cx="9474200" cy="6426200"/>
+          </a:xfrm>
+          <a:prstGeom prst="rect">
+            <a:avLst/>
+          </a:prstGeom>
+          <a:ln w="12700">
+            <a:miter lim="400000"/>
+          </a:ln>
+        </p:spPr>
+      </p:pic>
+    </p:spTree>
+  </p:cSld>
+  <p:clrMapOvr>
+    <a:masterClrMapping/>
+  </p:clrMapOvr>
+  <p:transition xmlns:p14="http://schemas.microsoft.com/office/powerpoint/2010/main" spd="med" advClick="1"/>
+</p:sld>
+</file>
+
+<file path=ppt/slides/slide18.xml><?xml version="1.0" encoding="utf-8"?>
+<p:sld xmlns:a="http://schemas.openxmlformats.org/drawingml/2006/main" xmlns:r="http://schemas.openxmlformats.org/officeDocument/2006/relationships" xmlns:p="http://schemas.openxmlformats.org/presentationml/2006/main" showMasterSp="1" showMasterPhAnim="1">
+  <p:cSld>
+    <p:spTree>
+      <p:nvGrpSpPr>
+        <p:cNvPr id="1" name=""/>
+        <p:cNvGrpSpPr/>
+        <p:nvPr/>
+      </p:nvGrpSpPr>
+      <p:grpSpPr>
+        <a:xfrm>
+          <a:off x="0" y="0"/>
+          <a:ext cx="0" cy="0"/>
+          <a:chOff x="0" y="0"/>
+          <a:chExt cx="0" cy="0"/>
+        </a:xfrm>
+      </p:grpSpPr>
+      <p:sp>
+        <p:nvSpPr>
+          <p:cNvPr id="220" name="RSMC创建"/>
+          <p:cNvSpPr txBox="1"/>
+          <p:nvPr>
+            <p:ph type="title"/>
+          </p:nvPr>
+        </p:nvSpPr>
+        <p:spPr>
+          <a:prstGeom prst="rect">
+            <a:avLst/>
+          </a:prstGeom>
+        </p:spPr>
+        <p:txBody>
+          <a:bodyPr/>
+          <a:lstStyle/>
+          <a:p>
+            <a:pPr/>
+            <a:r>
+              <a:t>RSMC创建</a:t>
+            </a:r>
+          </a:p>
+        </p:txBody>
+      </p:sp>
       <p:grpSp>
         <p:nvGrpSpPr>
-          <p:cNvPr id="223" name="成组"/>
+          <p:cNvPr id="226" name="成组"/>
           <p:cNvGrpSpPr/>
           <p:nvPr/>
         </p:nvGrpSpPr>
@@ -4211,7 +4294,7 @@
         </p:grpSpPr>
         <p:sp>
           <p:nvSpPr>
-            <p:cNvPr id="218" name="TXA…"/>
+            <p:cNvPr id="221" name="TXA…"/>
             <p:cNvSpPr/>
             <p:nvPr/>
           </p:nvSpPr>
@@ -4298,7 +4381,7 @@
         </p:sp>
         <p:sp>
           <p:nvSpPr>
-            <p:cNvPr id="219" name="A&amp;B:100"/>
+            <p:cNvPr id="222" name="A&amp;B:100"/>
             <p:cNvSpPr/>
             <p:nvPr/>
           </p:nvSpPr>
@@ -4348,7 +4431,7 @@
         </p:sp>
         <p:sp>
           <p:nvSpPr>
-            <p:cNvPr id="220" name="TX1"/>
+            <p:cNvPr id="223" name="TX1"/>
             <p:cNvSpPr txBox="1"/>
             <p:nvPr/>
           </p:nvSpPr>
@@ -4387,7 +4470,7 @@
         </p:sp>
         <p:sp>
           <p:nvSpPr>
-            <p:cNvPr id="221" name="I"/>
+            <p:cNvPr id="224" name="I"/>
             <p:cNvSpPr txBox="1"/>
             <p:nvPr/>
           </p:nvSpPr>
@@ -4426,7 +4509,7 @@
         </p:sp>
         <p:sp>
           <p:nvSpPr>
-            <p:cNvPr id="222" name="O"/>
+            <p:cNvPr id="225" name="O"/>
             <p:cNvSpPr txBox="1"/>
             <p:nvPr/>
           </p:nvSpPr>
@@ -4466,7 +4549,7 @@
       </p:grpSp>
       <p:grpSp>
         <p:nvGrpSpPr>
-          <p:cNvPr id="229" name="成组"/>
+          <p:cNvPr id="232" name="成组"/>
           <p:cNvGrpSpPr/>
           <p:nvPr/>
         </p:nvGrpSpPr>
@@ -4480,7 +4563,7 @@
         </p:grpSpPr>
         <p:sp>
           <p:nvSpPr>
-            <p:cNvPr id="224" name="TX1…"/>
+            <p:cNvPr id="227" name="TX1…"/>
             <p:cNvSpPr/>
             <p:nvPr/>
           </p:nvSpPr>
@@ -4541,7 +4624,7 @@
         </p:sp>
         <p:sp>
           <p:nvSpPr>
-            <p:cNvPr id="225" name="B:50…"/>
+            <p:cNvPr id="228" name="B:50…"/>
             <p:cNvSpPr/>
             <p:nvPr/>
           </p:nvSpPr>
@@ -4602,7 +4685,7 @@
         </p:sp>
         <p:sp>
           <p:nvSpPr>
-            <p:cNvPr id="226" name="TXA1"/>
+            <p:cNvPr id="229" name="TXA1"/>
             <p:cNvSpPr txBox="1"/>
             <p:nvPr/>
           </p:nvSpPr>
@@ -4641,7 +4724,7 @@
         </p:sp>
         <p:sp>
           <p:nvSpPr>
-            <p:cNvPr id="227" name="I"/>
+            <p:cNvPr id="230" name="I"/>
             <p:cNvSpPr txBox="1"/>
             <p:nvPr/>
           </p:nvSpPr>
@@ -4680,7 +4763,7 @@
         </p:sp>
         <p:sp>
           <p:nvSpPr>
-            <p:cNvPr id="228" name="O"/>
+            <p:cNvPr id="231" name="O"/>
             <p:cNvSpPr txBox="1"/>
             <p:nvPr/>
           </p:nvSpPr>
@@ -4720,7 +4803,7 @@
       </p:grpSp>
       <p:grpSp>
         <p:nvGrpSpPr>
-          <p:cNvPr id="235" name="成组"/>
+          <p:cNvPr id="238" name="成组"/>
           <p:cNvGrpSpPr/>
           <p:nvPr/>
         </p:nvGrpSpPr>
@@ -4734,7 +4817,7 @@
         </p:grpSpPr>
         <p:sp>
           <p:nvSpPr>
-            <p:cNvPr id="230" name="TX1…"/>
+            <p:cNvPr id="233" name="TX1…"/>
             <p:cNvSpPr/>
             <p:nvPr/>
           </p:nvSpPr>
@@ -4795,7 +4878,7 @@
         </p:sp>
         <p:sp>
           <p:nvSpPr>
-            <p:cNvPr id="231" name="A:50…"/>
+            <p:cNvPr id="234" name="A:50…"/>
             <p:cNvSpPr/>
             <p:nvPr/>
           </p:nvSpPr>
@@ -4856,7 +4939,7 @@
         </p:sp>
         <p:sp>
           <p:nvSpPr>
-            <p:cNvPr id="232" name="TXB1"/>
+            <p:cNvPr id="235" name="TXB1"/>
             <p:cNvSpPr txBox="1"/>
             <p:nvPr/>
           </p:nvSpPr>
@@ -4895,7 +4978,7 @@
         </p:sp>
         <p:sp>
           <p:nvSpPr>
-            <p:cNvPr id="233" name="I"/>
+            <p:cNvPr id="236" name="I"/>
             <p:cNvSpPr txBox="1"/>
             <p:nvPr/>
           </p:nvSpPr>
@@ -4934,7 +5017,7 @@
         </p:sp>
         <p:sp>
           <p:nvSpPr>
-            <p:cNvPr id="234" name="O"/>
+            <p:cNvPr id="237" name="O"/>
             <p:cNvSpPr txBox="1"/>
             <p:nvPr/>
           </p:nvSpPr>
@@ -4974,7 +5057,7 @@
       </p:grpSp>
       <p:grpSp>
         <p:nvGrpSpPr>
-          <p:cNvPr id="242" name="成组"/>
+          <p:cNvPr id="245" name="成组"/>
           <p:cNvGrpSpPr/>
           <p:nvPr/>
         </p:nvGrpSpPr>
@@ -4988,7 +5071,7 @@
         </p:grpSpPr>
         <p:sp>
           <p:nvSpPr>
-            <p:cNvPr id="236" name="TXA1…"/>
+            <p:cNvPr id="239" name="TXA1…"/>
             <p:cNvSpPr/>
             <p:nvPr/>
           </p:nvSpPr>
@@ -5049,7 +5132,7 @@
         </p:sp>
         <p:sp>
           <p:nvSpPr>
-            <p:cNvPr id="237" name="A3:50"/>
+            <p:cNvPr id="240" name="A3:50"/>
             <p:cNvSpPr/>
             <p:nvPr/>
           </p:nvSpPr>
@@ -5099,7 +5182,7 @@
         </p:sp>
         <p:sp>
           <p:nvSpPr>
-            <p:cNvPr id="238" name="TXA1’"/>
+            <p:cNvPr id="241" name="TXA1’"/>
             <p:cNvSpPr txBox="1"/>
             <p:nvPr/>
           </p:nvSpPr>
@@ -5138,7 +5221,7 @@
         </p:sp>
         <p:sp>
           <p:nvSpPr>
-            <p:cNvPr id="239" name="I"/>
+            <p:cNvPr id="242" name="I"/>
             <p:cNvSpPr txBox="1"/>
             <p:nvPr/>
           </p:nvSpPr>
@@ -5177,7 +5260,7 @@
         </p:sp>
         <p:sp>
           <p:nvSpPr>
-            <p:cNvPr id="240" name="O"/>
+            <p:cNvPr id="243" name="O"/>
             <p:cNvSpPr txBox="1"/>
             <p:nvPr/>
           </p:nvSpPr>
@@ -5216,7 +5299,7 @@
         </p:sp>
         <p:sp>
           <p:nvSpPr>
-            <p:cNvPr id="241" name="sequence:1000"/>
+            <p:cNvPr id="244" name="sequence:1000"/>
             <p:cNvSpPr/>
             <p:nvPr/>
           </p:nvSpPr>
@@ -5269,7 +5352,7 @@
       </p:grpSp>
       <p:grpSp>
         <p:nvGrpSpPr>
-          <p:cNvPr id="249" name="成组"/>
+          <p:cNvPr id="252" name="成组"/>
           <p:cNvGrpSpPr/>
           <p:nvPr/>
         </p:nvGrpSpPr>
@@ -5283,7 +5366,7 @@
         </p:grpSpPr>
         <p:sp>
           <p:nvSpPr>
-            <p:cNvPr id="243" name="TXB1…"/>
+            <p:cNvPr id="246" name="TXB1…"/>
             <p:cNvSpPr/>
             <p:nvPr/>
           </p:nvSpPr>
@@ -5344,7 +5427,7 @@
         </p:sp>
         <p:sp>
           <p:nvSpPr>
-            <p:cNvPr id="244" name="B3:50"/>
+            <p:cNvPr id="247" name="B3:50"/>
             <p:cNvSpPr/>
             <p:nvPr/>
           </p:nvSpPr>
@@ -5394,7 +5477,7 @@
         </p:sp>
         <p:sp>
           <p:nvSpPr>
-            <p:cNvPr id="245" name="TXB1’"/>
+            <p:cNvPr id="248" name="TXB1’"/>
             <p:cNvSpPr txBox="1"/>
             <p:nvPr/>
           </p:nvSpPr>
@@ -5433,7 +5516,7 @@
         </p:sp>
         <p:sp>
           <p:nvSpPr>
-            <p:cNvPr id="246" name="I"/>
+            <p:cNvPr id="249" name="I"/>
             <p:cNvSpPr txBox="1"/>
             <p:nvPr/>
           </p:nvSpPr>
@@ -5472,7 +5555,7 @@
         </p:sp>
         <p:sp>
           <p:nvSpPr>
-            <p:cNvPr id="247" name="O"/>
+            <p:cNvPr id="250" name="O"/>
             <p:cNvSpPr txBox="1"/>
             <p:nvPr/>
           </p:nvSpPr>
@@ -5511,7 +5594,7 @@
         </p:sp>
         <p:sp>
           <p:nvSpPr>
-            <p:cNvPr id="248" name="sequence:1000"/>
+            <p:cNvPr id="251" name="sequence:1000"/>
             <p:cNvSpPr/>
             <p:nvPr/>
           </p:nvSpPr>
@@ -5564,7 +5647,7 @@
       </p:grpSp>
       <p:sp>
         <p:nvSpPr>
-          <p:cNvPr id="250" name="线条"/>
+          <p:cNvPr id="253" name="线条"/>
           <p:cNvSpPr/>
           <p:nvPr/>
         </p:nvSpPr>
@@ -5601,7 +5684,7 @@
       </p:sp>
       <p:sp>
         <p:nvSpPr>
-          <p:cNvPr id="251" name="线条"/>
+          <p:cNvPr id="254" name="线条"/>
           <p:cNvSpPr/>
           <p:nvPr/>
         </p:nvSpPr>
@@ -5638,7 +5721,7 @@
       </p:sp>
       <p:sp>
         <p:nvSpPr>
-          <p:cNvPr id="252" name="线条"/>
+          <p:cNvPr id="255" name="线条"/>
           <p:cNvSpPr/>
           <p:nvPr/>
         </p:nvSpPr>
@@ -5675,7 +5758,7 @@
       </p:sp>
       <p:sp>
         <p:nvSpPr>
-          <p:cNvPr id="253" name="线条"/>
+          <p:cNvPr id="256" name="线条"/>
           <p:cNvSpPr/>
           <p:nvPr/>
         </p:nvSpPr>
@@ -5712,7 +5795,7 @@
       </p:sp>
       <p:sp>
         <p:nvSpPr>
-          <p:cNvPr id="254" name="TXA1与TXA1’由B创建并带上签名发给A…"/>
+          <p:cNvPr id="257" name="TXA1与TXA1’由B创建并带上签名发给A…"/>
           <p:cNvSpPr/>
           <p:nvPr/>
         </p:nvSpPr>
@@ -5776,92 +5859,6 @@
             </a:pPr>
             <a:r>
               <a:t>当退款交易准备完成后A&amp;B就可以tx1签名并广播</a:t>
-            </a:r>
-          </a:p>
-        </p:txBody>
-      </p:sp>
-    </p:spTree>
-  </p:cSld>
-  <p:clrMapOvr>
-    <a:masterClrMapping/>
-  </p:clrMapOvr>
-  <p:transition xmlns:p14="http://schemas.microsoft.com/office/powerpoint/2010/main" spd="med" advClick="1"/>
-</p:sld>
-</file>
-
-<file path=ppt/slides/slide18.xml><?xml version="1.0" encoding="utf-8"?>
-<p:sld xmlns:a="http://schemas.openxmlformats.org/drawingml/2006/main" xmlns:r="http://schemas.openxmlformats.org/officeDocument/2006/relationships" xmlns:p="http://schemas.openxmlformats.org/presentationml/2006/main" showMasterSp="1" showMasterPhAnim="1">
-  <p:cSld>
-    <p:spTree>
-      <p:nvGrpSpPr>
-        <p:cNvPr id="1" name=""/>
-        <p:cNvGrpSpPr/>
-        <p:nvPr/>
-      </p:nvGrpSpPr>
-      <p:grpSpPr>
-        <a:xfrm>
-          <a:off x="0" y="0"/>
-          <a:ext cx="0" cy="0"/>
-          <a:chOff x="0" y="0"/>
-          <a:chExt cx="0" cy="0"/>
-        </a:xfrm>
-      </p:grpSpPr>
-      <p:sp>
-        <p:nvSpPr>
-          <p:cNvPr id="256" name="RSMC流转"/>
-          <p:cNvSpPr txBox="1"/>
-          <p:nvPr>
-            <p:ph type="title"/>
-          </p:nvPr>
-        </p:nvSpPr>
-        <p:spPr>
-          <a:prstGeom prst="rect">
-            <a:avLst/>
-          </a:prstGeom>
-        </p:spPr>
-        <p:txBody>
-          <a:bodyPr/>
-          <a:lstStyle/>
-          <a:p>
-            <a:pPr/>
-            <a:r>
-              <a:t>RSMC流转</a:t>
-            </a:r>
-          </a:p>
-        </p:txBody>
-      </p:sp>
-      <p:sp>
-        <p:nvSpPr>
-          <p:cNvPr id="257" name="当A&amp;B发生资金周转时，A&amp;B重新创建新的通道资金分配方案，txa2，txb2，txa2’，txb2’…"/>
-          <p:cNvSpPr txBox="1"/>
-          <p:nvPr>
-            <p:ph type="body" idx="1"/>
-          </p:nvPr>
-        </p:nvSpPr>
-        <p:spPr>
-          <a:prstGeom prst="rect">
-            <a:avLst/>
-          </a:prstGeom>
-        </p:spPr>
-        <p:txBody>
-          <a:bodyPr/>
-          <a:lstStyle/>
-          <a:p>
-            <a:pPr marL="635000" indent="-635000">
-              <a:buSzPct val="100000"/>
-              <a:buAutoNum type="arabicPeriod" startAt="1"/>
-            </a:pPr>
-            <a:r>
-              <a:t>当A&amp;B发生资金周转时，A&amp;B重新创建新的通道资金分配方案，txa2，txb2，txa2’，txb2’</a:t>
-            </a:r>
-          </a:p>
-          <a:p>
-            <a:pPr marL="635000" indent="-635000">
-              <a:buSzPct val="100000"/>
-              <a:buAutoNum type="arabicPeriod" startAt="1"/>
-            </a:pPr>
-            <a:r>
-              <a:t>这时txa1*与txa2*都有效，因此需要将前一种状态进行作废。如何作废。有两种方式：将txa1’（txb1’）延迟到账交易中输入A2（B2）私钥交给对方。或者创建一笔新的txa1’’（txb1’）交易交给对方，输出为对方地址。我们将该交易成为保证交易（表示我现在想变成新的交易状态，为了促进最新交易 我放弃之前的退款交易。如果我作弊那么你可以拿到我的钱）</a:t>
             </a:r>
           </a:p>
         </p:txBody>
@@ -5916,9 +5913,269 @@
           </a:p>
         </p:txBody>
       </p:sp>
+      <p:sp>
+        <p:nvSpPr>
+          <p:cNvPr id="260" name="当A&amp;B发生资金周转时，A&amp;B重新创建新的通道资金分配方案，txa2，txb2，txa2’，txb2’…"/>
+          <p:cNvSpPr txBox="1"/>
+          <p:nvPr>
+            <p:ph type="body" idx="1"/>
+          </p:nvPr>
+        </p:nvSpPr>
+        <p:spPr>
+          <a:prstGeom prst="rect">
+            <a:avLst/>
+          </a:prstGeom>
+        </p:spPr>
+        <p:txBody>
+          <a:bodyPr/>
+          <a:lstStyle/>
+          <a:p>
+            <a:pPr marL="635000" indent="-635000">
+              <a:buSzPct val="100000"/>
+              <a:buAutoNum type="arabicPeriod" startAt="1"/>
+            </a:pPr>
+            <a:r>
+              <a:t>当A&amp;B发生资金周转时，A&amp;B重新创建新的通道资金分配方案，txa2，txb2，txa2’，txb2’</a:t>
+            </a:r>
+          </a:p>
+          <a:p>
+            <a:pPr marL="635000" indent="-635000">
+              <a:buSzPct val="100000"/>
+              <a:buAutoNum type="arabicPeriod" startAt="1"/>
+            </a:pPr>
+            <a:r>
+              <a:t>这时txa1*与txa2*都有效，因此需要将前一种状态进行作废。如何作废。有两种方式：将txa1’（txb1’）延迟到账交易中输入A2（B2）私钥交给对方。或者创建一笔新的txa1’’（txb1’）交易交给对方，输出为对方地址。我们将该交易成为保证交易（表示我现在想变成新的交易状态，为了促进最新交易 我放弃之前的退款交易。如果我作弊那么你可以拿到我的钱）</a:t>
+            </a:r>
+          </a:p>
+        </p:txBody>
+      </p:sp>
+    </p:spTree>
+  </p:cSld>
+  <p:clrMapOvr>
+    <a:masterClrMapping/>
+  </p:clrMapOvr>
+  <p:transition xmlns:p14="http://schemas.microsoft.com/office/powerpoint/2010/main" spd="med" advClick="1"/>
+</p:sld>
+</file>
+
+<file path=ppt/slides/slide2.xml><?xml version="1.0" encoding="utf-8"?>
+<p:sld xmlns:a="http://schemas.openxmlformats.org/drawingml/2006/main" xmlns:r="http://schemas.openxmlformats.org/officeDocument/2006/relationships" xmlns:p="http://schemas.openxmlformats.org/presentationml/2006/main" showMasterSp="1" showMasterPhAnim="1">
+  <p:cSld>
+    <p:spTree>
+      <p:nvGrpSpPr>
+        <p:cNvPr id="1" name=""/>
+        <p:cNvGrpSpPr/>
+        <p:nvPr/>
+      </p:nvGrpSpPr>
+      <p:grpSpPr>
+        <a:xfrm>
+          <a:off x="0" y="0"/>
+          <a:ext cx="0" cy="0"/>
+          <a:chOff x="0" y="0"/>
+          <a:chExt cx="0" cy="0"/>
+        </a:xfrm>
+      </p:grpSpPr>
+      <p:sp>
+        <p:nvSpPr>
+          <p:cNvPr id="121" name="闪电网络描述"/>
+          <p:cNvSpPr txBox="1"/>
+          <p:nvPr>
+            <p:ph type="title"/>
+          </p:nvPr>
+        </p:nvSpPr>
+        <p:spPr>
+          <a:prstGeom prst="rect">
+            <a:avLst/>
+          </a:prstGeom>
+        </p:spPr>
+        <p:txBody>
+          <a:bodyPr/>
+          <a:lstStyle/>
+          <a:p>
+            <a:pPr/>
+            <a:r>
+              <a:t>闪电网络描述</a:t>
+            </a:r>
+          </a:p>
+        </p:txBody>
+      </p:sp>
+      <p:sp>
+        <p:nvSpPr>
+          <p:cNvPr id="122" name="定义：将大量交易放到比特币区块链之外进行…"/>
+          <p:cNvSpPr txBox="1"/>
+          <p:nvPr>
+            <p:ph type="body" idx="1"/>
+          </p:nvPr>
+        </p:nvSpPr>
+        <p:spPr>
+          <a:prstGeom prst="rect">
+            <a:avLst/>
+          </a:prstGeom>
+        </p:spPr>
+        <p:txBody>
+          <a:bodyPr/>
+          <a:lstStyle/>
+          <a:p>
+            <a:pPr marL="0" indent="0">
+              <a:buSzTx/>
+              <a:buNone/>
+            </a:pPr>
+            <a:r>
+              <a:t>定义：将大量交易放到比特币区块链之外进行</a:t>
+            </a:r>
+          </a:p>
+          <a:p>
+            <a:pPr marL="0" indent="0">
+              <a:buSzTx/>
+              <a:buNone/>
+            </a:pPr>
+            <a:r>
+              <a:t>目的：提高交易的速度</a:t>
+            </a:r>
+          </a:p>
+          <a:p>
+            <a:pPr marL="0" indent="0">
+              <a:buSzTx/>
+              <a:buNone/>
+            </a:pPr>
+            <a:r>
+              <a:t>核心技术：RSMC，HTLC。</a:t>
+            </a:r>
+          </a:p>
+        </p:txBody>
+      </p:sp>
+    </p:spTree>
+  </p:cSld>
+  <p:clrMapOvr>
+    <a:masterClrMapping/>
+  </p:clrMapOvr>
+  <p:transition xmlns:p14="http://schemas.microsoft.com/office/powerpoint/2010/main" spd="med" advClick="1"/>
+</p:sld>
+</file>
+
+<file path=ppt/slides/slide20.xml><?xml version="1.0" encoding="utf-8"?>
+<p:sld xmlns:a="http://schemas.openxmlformats.org/drawingml/2006/main" xmlns:r="http://schemas.openxmlformats.org/officeDocument/2006/relationships" xmlns:p="http://schemas.openxmlformats.org/presentationml/2006/main" showMasterSp="1" showMasterPhAnim="1">
+  <p:cSld>
+    <p:spTree>
+      <p:nvGrpSpPr>
+        <p:cNvPr id="1" name=""/>
+        <p:cNvGrpSpPr/>
+        <p:nvPr/>
+      </p:nvGrpSpPr>
+      <p:grpSpPr>
+        <a:xfrm>
+          <a:off x="0" y="0"/>
+          <a:ext cx="0" cy="0"/>
+          <a:chOff x="0" y="0"/>
+          <a:chExt cx="0" cy="0"/>
+        </a:xfrm>
+      </p:grpSpPr>
+      <p:sp>
+        <p:nvSpPr>
+          <p:cNvPr id="262" name="RSMC流转"/>
+          <p:cNvSpPr txBox="1"/>
+          <p:nvPr>
+            <p:ph type="title"/>
+          </p:nvPr>
+        </p:nvSpPr>
+        <p:spPr>
+          <a:prstGeom prst="rect">
+            <a:avLst/>
+          </a:prstGeom>
+        </p:spPr>
+        <p:txBody>
+          <a:bodyPr/>
+          <a:lstStyle/>
+          <a:p>
+            <a:pPr/>
+            <a:r>
+              <a:t>RSMC流转</a:t>
+            </a:r>
+          </a:p>
+        </p:txBody>
+      </p:sp>
+      <p:pic>
+        <p:nvPicPr>
+          <p:cNvPr id="263" name="fullsizeoutput_38.jpeg" descr="fullsizeoutput_38.jpeg"/>
+          <p:cNvPicPr>
+            <a:picLocks noChangeAspect="1"/>
+          </p:cNvPicPr>
+          <p:nvPr/>
+        </p:nvPicPr>
+        <p:blipFill>
+          <a:blip r:embed="rId2">
+            <a:extLst/>
+          </a:blip>
+          <a:stretch>
+            <a:fillRect/>
+          </a:stretch>
+        </p:blipFill>
+        <p:spPr>
+          <a:xfrm>
+            <a:off x="2070100" y="3162300"/>
+            <a:ext cx="9169400" cy="5156200"/>
+          </a:xfrm>
+          <a:prstGeom prst="rect">
+            <a:avLst/>
+          </a:prstGeom>
+          <a:ln w="12700">
+            <a:miter lim="400000"/>
+          </a:ln>
+        </p:spPr>
+      </p:pic>
+    </p:spTree>
+  </p:cSld>
+  <p:clrMapOvr>
+    <a:masterClrMapping/>
+  </p:clrMapOvr>
+  <p:transition xmlns:p14="http://schemas.microsoft.com/office/powerpoint/2010/main" spd="med" advClick="1"/>
+</p:sld>
+</file>
+
+<file path=ppt/slides/slide21.xml><?xml version="1.0" encoding="utf-8"?>
+<p:sld xmlns:a="http://schemas.openxmlformats.org/drawingml/2006/main" xmlns:r="http://schemas.openxmlformats.org/officeDocument/2006/relationships" xmlns:p="http://schemas.openxmlformats.org/presentationml/2006/main" showMasterSp="1" showMasterPhAnim="1">
+  <p:cSld>
+    <p:spTree>
+      <p:nvGrpSpPr>
+        <p:cNvPr id="1" name=""/>
+        <p:cNvGrpSpPr/>
+        <p:nvPr/>
+      </p:nvGrpSpPr>
+      <p:grpSpPr>
+        <a:xfrm>
+          <a:off x="0" y="0"/>
+          <a:ext cx="0" cy="0"/>
+          <a:chOff x="0" y="0"/>
+          <a:chExt cx="0" cy="0"/>
+        </a:xfrm>
+      </p:grpSpPr>
+      <p:sp>
+        <p:nvSpPr>
+          <p:cNvPr id="265" name="RSMC流转"/>
+          <p:cNvSpPr txBox="1"/>
+          <p:nvPr>
+            <p:ph type="title"/>
+          </p:nvPr>
+        </p:nvSpPr>
+        <p:spPr>
+          <a:prstGeom prst="rect">
+            <a:avLst/>
+          </a:prstGeom>
+        </p:spPr>
+        <p:txBody>
+          <a:bodyPr/>
+          <a:lstStyle/>
+          <a:p>
+            <a:pPr/>
+            <a:r>
+              <a:t>RSMC流转</a:t>
+            </a:r>
+          </a:p>
+        </p:txBody>
+      </p:sp>
       <p:grpSp>
         <p:nvGrpSpPr>
-          <p:cNvPr id="274" name="成组"/>
+          <p:cNvPr id="280" name="成组"/>
           <p:cNvGrpSpPr/>
           <p:nvPr/>
         </p:nvGrpSpPr>
@@ -5932,7 +6189,7 @@
         </p:grpSpPr>
         <p:grpSp>
           <p:nvGrpSpPr>
-            <p:cNvPr id="265" name="成组"/>
+            <p:cNvPr id="271" name="成组"/>
             <p:cNvGrpSpPr/>
             <p:nvPr/>
           </p:nvGrpSpPr>
@@ -5946,7 +6203,7 @@
           </p:grpSpPr>
           <p:sp>
             <p:nvSpPr>
-              <p:cNvPr id="260" name="TX1…"/>
+              <p:cNvPr id="266" name="TX1…"/>
               <p:cNvSpPr/>
               <p:nvPr/>
             </p:nvSpPr>
@@ -6007,7 +6264,7 @@
           </p:sp>
           <p:sp>
             <p:nvSpPr>
-              <p:cNvPr id="261" name="B:50…"/>
+              <p:cNvPr id="267" name="B:50…"/>
               <p:cNvSpPr/>
               <p:nvPr/>
             </p:nvSpPr>
@@ -6068,7 +6325,7 @@
           </p:sp>
           <p:sp>
             <p:nvSpPr>
-              <p:cNvPr id="262" name="TXA1"/>
+              <p:cNvPr id="268" name="TXA1"/>
               <p:cNvSpPr txBox="1"/>
               <p:nvPr/>
             </p:nvSpPr>
@@ -6107,7 +6364,7 @@
           </p:sp>
           <p:sp>
             <p:nvSpPr>
-              <p:cNvPr id="263" name="I"/>
+              <p:cNvPr id="269" name="I"/>
               <p:cNvSpPr txBox="1"/>
               <p:nvPr/>
             </p:nvSpPr>
@@ -6146,7 +6403,7 @@
           </p:sp>
           <p:sp>
             <p:nvSpPr>
-              <p:cNvPr id="264" name="O"/>
+              <p:cNvPr id="270" name="O"/>
               <p:cNvSpPr txBox="1"/>
               <p:nvPr/>
             </p:nvSpPr>
@@ -6186,7 +6443,7 @@
         </p:grpSp>
         <p:grpSp>
           <p:nvGrpSpPr>
-            <p:cNvPr id="272" name="成组"/>
+            <p:cNvPr id="278" name="成组"/>
             <p:cNvGrpSpPr/>
             <p:nvPr/>
           </p:nvGrpSpPr>
@@ -6200,7 +6457,7 @@
           </p:grpSpPr>
           <p:sp>
             <p:nvSpPr>
-              <p:cNvPr id="266" name="TXA1…"/>
+              <p:cNvPr id="272" name="TXA1…"/>
               <p:cNvSpPr/>
               <p:nvPr/>
             </p:nvSpPr>
@@ -6261,7 +6518,7 @@
           </p:sp>
           <p:sp>
             <p:nvSpPr>
-              <p:cNvPr id="267" name="A3:50"/>
+              <p:cNvPr id="273" name="A3:50"/>
               <p:cNvSpPr/>
               <p:nvPr/>
             </p:nvSpPr>
@@ -6311,7 +6568,7 @@
           </p:sp>
           <p:sp>
             <p:nvSpPr>
-              <p:cNvPr id="268" name="TXA1’"/>
+              <p:cNvPr id="274" name="TXA1’"/>
               <p:cNvSpPr txBox="1"/>
               <p:nvPr/>
             </p:nvSpPr>
@@ -6350,7 +6607,7 @@
           </p:sp>
           <p:sp>
             <p:nvSpPr>
-              <p:cNvPr id="269" name="I"/>
+              <p:cNvPr id="275" name="I"/>
               <p:cNvSpPr txBox="1"/>
               <p:nvPr/>
             </p:nvSpPr>
@@ -6389,7 +6646,7 @@
           </p:sp>
           <p:sp>
             <p:nvSpPr>
-              <p:cNvPr id="270" name="O"/>
+              <p:cNvPr id="276" name="O"/>
               <p:cNvSpPr txBox="1"/>
               <p:nvPr/>
             </p:nvSpPr>
@@ -6428,7 +6685,7 @@
           </p:sp>
           <p:sp>
             <p:nvSpPr>
-              <p:cNvPr id="271" name="sequence:1000"/>
+              <p:cNvPr id="277" name="sequence:1000"/>
               <p:cNvSpPr/>
               <p:nvPr/>
             </p:nvSpPr>
@@ -6481,7 +6738,7 @@
         </p:grpSp>
         <p:sp>
           <p:nvSpPr>
-            <p:cNvPr id="273" name="线条"/>
+            <p:cNvPr id="279" name="线条"/>
             <p:cNvSpPr/>
             <p:nvPr/>
           </p:nvSpPr>
@@ -6524,7 +6781,7 @@
       </p:grpSp>
       <p:sp>
         <p:nvSpPr>
-          <p:cNvPr id="275" name="TXA2与TXA2’由B创建并带上签名发给A…"/>
+          <p:cNvPr id="281" name="TXA2与TXA2’由B创建并带上签名发给A…"/>
           <p:cNvSpPr/>
           <p:nvPr/>
         </p:nvSpPr>
@@ -6594,7 +6851,7 @@
       </p:sp>
       <p:grpSp>
         <p:nvGrpSpPr>
-          <p:cNvPr id="290" name="成组"/>
+          <p:cNvPr id="296" name="成组"/>
           <p:cNvGrpSpPr/>
           <p:nvPr/>
         </p:nvGrpSpPr>
@@ -6608,7 +6865,7 @@
         </p:grpSpPr>
         <p:grpSp>
           <p:nvGrpSpPr>
-            <p:cNvPr id="281" name="成组"/>
+            <p:cNvPr id="287" name="成组"/>
             <p:cNvGrpSpPr/>
             <p:nvPr/>
           </p:nvGrpSpPr>
@@ -6622,7 +6879,7 @@
           </p:grpSpPr>
           <p:sp>
             <p:nvSpPr>
-              <p:cNvPr id="276" name="TX1…"/>
+              <p:cNvPr id="282" name="TX1…"/>
               <p:cNvSpPr/>
               <p:nvPr/>
             </p:nvSpPr>
@@ -6683,7 +6940,7 @@
           </p:sp>
           <p:sp>
             <p:nvSpPr>
-              <p:cNvPr id="277" name="B:40…"/>
+              <p:cNvPr id="283" name="B:40…"/>
               <p:cNvSpPr/>
               <p:nvPr/>
             </p:nvSpPr>
@@ -6744,7 +7001,7 @@
           </p:sp>
           <p:sp>
             <p:nvSpPr>
-              <p:cNvPr id="278" name="TXA2"/>
+              <p:cNvPr id="284" name="TXA2"/>
               <p:cNvSpPr txBox="1"/>
               <p:nvPr/>
             </p:nvSpPr>
@@ -6783,7 +7040,7 @@
           </p:sp>
           <p:sp>
             <p:nvSpPr>
-              <p:cNvPr id="279" name="I"/>
+              <p:cNvPr id="285" name="I"/>
               <p:cNvSpPr txBox="1"/>
               <p:nvPr/>
             </p:nvSpPr>
@@ -6822,7 +7079,7 @@
           </p:sp>
           <p:sp>
             <p:nvSpPr>
-              <p:cNvPr id="280" name="O"/>
+              <p:cNvPr id="286" name="O"/>
               <p:cNvSpPr txBox="1"/>
               <p:nvPr/>
             </p:nvSpPr>
@@ -6862,7 +7119,7 @@
         </p:grpSp>
         <p:grpSp>
           <p:nvGrpSpPr>
-            <p:cNvPr id="288" name="成组"/>
+            <p:cNvPr id="294" name="成组"/>
             <p:cNvGrpSpPr/>
             <p:nvPr/>
           </p:nvGrpSpPr>
@@ -6876,7 +7133,7 @@
           </p:grpSpPr>
           <p:sp>
             <p:nvSpPr>
-              <p:cNvPr id="282" name="TXA2…"/>
+              <p:cNvPr id="288" name="TXA2…"/>
               <p:cNvSpPr/>
               <p:nvPr/>
             </p:nvSpPr>
@@ -6937,7 +7194,7 @@
           </p:sp>
           <p:sp>
             <p:nvSpPr>
-              <p:cNvPr id="283" name="A5:50"/>
+              <p:cNvPr id="289" name="A5:50"/>
               <p:cNvSpPr/>
               <p:nvPr/>
             </p:nvSpPr>
@@ -6987,7 +7244,7 @@
           </p:sp>
           <p:sp>
             <p:nvSpPr>
-              <p:cNvPr id="284" name="TXA2’"/>
+              <p:cNvPr id="290" name="TXA2’"/>
               <p:cNvSpPr txBox="1"/>
               <p:nvPr/>
             </p:nvSpPr>
@@ -7026,7 +7283,7 @@
           </p:sp>
           <p:sp>
             <p:nvSpPr>
-              <p:cNvPr id="285" name="I"/>
+              <p:cNvPr id="291" name="I"/>
               <p:cNvSpPr txBox="1"/>
               <p:nvPr/>
             </p:nvSpPr>
@@ -7065,7 +7322,7 @@
           </p:sp>
           <p:sp>
             <p:nvSpPr>
-              <p:cNvPr id="286" name="O"/>
+              <p:cNvPr id="292" name="O"/>
               <p:cNvSpPr txBox="1"/>
               <p:nvPr/>
             </p:nvSpPr>
@@ -7104,7 +7361,7 @@
           </p:sp>
           <p:sp>
             <p:nvSpPr>
-              <p:cNvPr id="287" name="sequence:1000"/>
+              <p:cNvPr id="293" name="sequence:1000"/>
               <p:cNvSpPr/>
               <p:nvPr/>
             </p:nvSpPr>
@@ -7157,7 +7414,7 @@
         </p:grpSp>
         <p:sp>
           <p:nvSpPr>
-            <p:cNvPr id="289" name="线条"/>
+            <p:cNvPr id="295" name="线条"/>
             <p:cNvSpPr/>
             <p:nvPr/>
           </p:nvSpPr>
@@ -7207,7 +7464,7 @@
 </p:sld>
 </file>
 
-<file path=ppt/slides/slide2.xml><?xml version="1.0" encoding="utf-8"?>
+<file path=ppt/slides/slide22.xml><?xml version="1.0" encoding="utf-8"?>
 <p:sld xmlns:a="http://schemas.openxmlformats.org/drawingml/2006/main" xmlns:r="http://schemas.openxmlformats.org/officeDocument/2006/relationships" xmlns:p="http://schemas.openxmlformats.org/presentationml/2006/main" showMasterSp="1" showMasterPhAnim="1">
   <p:cSld>
     <p:spTree>
@@ -7226,7 +7483,7 @@
       </p:grpSpPr>
       <p:sp>
         <p:nvSpPr>
-          <p:cNvPr id="121" name="闪电网络描述"/>
+          <p:cNvPr id="298" name="RSMC流转"/>
           <p:cNvSpPr txBox="1"/>
           <p:nvPr>
             <p:ph type="title"/>
@@ -7243,101 +7500,6 @@
           <a:p>
             <a:pPr/>
             <a:r>
-              <a:t>闪电网络描述</a:t>
-            </a:r>
-          </a:p>
-        </p:txBody>
-      </p:sp>
-      <p:sp>
-        <p:nvSpPr>
-          <p:cNvPr id="122" name="定义：将大量交易放到比特币区块链之外进行…"/>
-          <p:cNvSpPr txBox="1"/>
-          <p:nvPr>
-            <p:ph type="body" idx="1"/>
-          </p:nvPr>
-        </p:nvSpPr>
-        <p:spPr>
-          <a:prstGeom prst="rect">
-            <a:avLst/>
-          </a:prstGeom>
-        </p:spPr>
-        <p:txBody>
-          <a:bodyPr/>
-          <a:lstStyle/>
-          <a:p>
-            <a:pPr marL="0" indent="0">
-              <a:buSzTx/>
-              <a:buNone/>
-            </a:pPr>
-            <a:r>
-              <a:t>定义：将大量交易放到比特币区块链之外进行</a:t>
-            </a:r>
-          </a:p>
-          <a:p>
-            <a:pPr marL="0" indent="0">
-              <a:buSzTx/>
-              <a:buNone/>
-            </a:pPr>
-            <a:r>
-              <a:t>目的：提高交易的速度</a:t>
-            </a:r>
-          </a:p>
-          <a:p>
-            <a:pPr marL="0" indent="0">
-              <a:buSzTx/>
-              <a:buNone/>
-            </a:pPr>
-            <a:r>
-              <a:t>核心技术：RSMC，HTLC。</a:t>
-            </a:r>
-          </a:p>
-        </p:txBody>
-      </p:sp>
-    </p:spTree>
-  </p:cSld>
-  <p:clrMapOvr>
-    <a:masterClrMapping/>
-  </p:clrMapOvr>
-  <p:transition xmlns:p14="http://schemas.microsoft.com/office/powerpoint/2010/main" spd="med" advClick="1"/>
-</p:sld>
-</file>
-
-<file path=ppt/slides/slide20.xml><?xml version="1.0" encoding="utf-8"?>
-<p:sld xmlns:a="http://schemas.openxmlformats.org/drawingml/2006/main" xmlns:r="http://schemas.openxmlformats.org/officeDocument/2006/relationships" xmlns:p="http://schemas.openxmlformats.org/presentationml/2006/main" showMasterSp="1" showMasterPhAnim="1">
-  <p:cSld>
-    <p:spTree>
-      <p:nvGrpSpPr>
-        <p:cNvPr id="1" name=""/>
-        <p:cNvGrpSpPr/>
-        <p:nvPr/>
-      </p:nvGrpSpPr>
-      <p:grpSpPr>
-        <a:xfrm>
-          <a:off x="0" y="0"/>
-          <a:ext cx="0" cy="0"/>
-          <a:chOff x="0" y="0"/>
-          <a:chExt cx="0" cy="0"/>
-        </a:xfrm>
-      </p:grpSpPr>
-      <p:sp>
-        <p:nvSpPr>
-          <p:cNvPr id="292" name="RSMC流转"/>
-          <p:cNvSpPr txBox="1"/>
-          <p:nvPr>
-            <p:ph type="title"/>
-          </p:nvPr>
-        </p:nvSpPr>
-        <p:spPr>
-          <a:prstGeom prst="rect">
-            <a:avLst/>
-          </a:prstGeom>
-        </p:spPr>
-        <p:txBody>
-          <a:bodyPr/>
-          <a:lstStyle/>
-          <a:p>
-            <a:pPr/>
-            <a:r>
               <a:t>RSMC流转</a:t>
             </a:r>
           </a:p>
@@ -7345,7 +7507,7 @@
       </p:sp>
       <p:grpSp>
         <p:nvGrpSpPr>
-          <p:cNvPr id="299" name="成组"/>
+          <p:cNvPr id="305" name="成组"/>
           <p:cNvGrpSpPr/>
           <p:nvPr/>
         </p:nvGrpSpPr>
@@ -7359,7 +7521,7 @@
         </p:grpSpPr>
         <p:sp>
           <p:nvSpPr>
-            <p:cNvPr id="293" name="TXA1…"/>
+            <p:cNvPr id="299" name="TXA1…"/>
             <p:cNvSpPr/>
             <p:nvPr/>
           </p:nvSpPr>
@@ -7420,7 +7582,7 @@
         </p:sp>
         <p:sp>
           <p:nvSpPr>
-            <p:cNvPr id="294" name="A3:50"/>
+            <p:cNvPr id="300" name="A3:50"/>
             <p:cNvSpPr/>
             <p:nvPr/>
           </p:nvSpPr>
@@ -7470,7 +7632,7 @@
         </p:sp>
         <p:sp>
           <p:nvSpPr>
-            <p:cNvPr id="295" name="TXA1’"/>
+            <p:cNvPr id="301" name="TXA1’"/>
             <p:cNvSpPr txBox="1"/>
             <p:nvPr/>
           </p:nvSpPr>
@@ -7509,7 +7671,7 @@
         </p:sp>
         <p:sp>
           <p:nvSpPr>
-            <p:cNvPr id="296" name="I"/>
+            <p:cNvPr id="302" name="I"/>
             <p:cNvSpPr txBox="1"/>
             <p:nvPr/>
           </p:nvSpPr>
@@ -7548,7 +7710,7 @@
         </p:sp>
         <p:sp>
           <p:nvSpPr>
-            <p:cNvPr id="297" name="O"/>
+            <p:cNvPr id="303" name="O"/>
             <p:cNvSpPr txBox="1"/>
             <p:nvPr/>
           </p:nvSpPr>
@@ -7587,7 +7749,7 @@
         </p:sp>
         <p:sp>
           <p:nvSpPr>
-            <p:cNvPr id="298" name="sequence:1000"/>
+            <p:cNvPr id="304" name="sequence:1000"/>
             <p:cNvSpPr/>
             <p:nvPr/>
           </p:nvSpPr>
@@ -7640,7 +7802,7 @@
       </p:grpSp>
       <p:grpSp>
         <p:nvGrpSpPr>
-          <p:cNvPr id="305" name="成组"/>
+          <p:cNvPr id="311" name="成组"/>
           <p:cNvGrpSpPr/>
           <p:nvPr/>
         </p:nvGrpSpPr>
@@ -7654,7 +7816,7 @@
         </p:grpSpPr>
         <p:sp>
           <p:nvSpPr>
-            <p:cNvPr id="300" name="TXA1…"/>
+            <p:cNvPr id="306" name="TXA1…"/>
             <p:cNvSpPr/>
             <p:nvPr/>
           </p:nvSpPr>
@@ -7715,7 +7877,7 @@
         </p:sp>
         <p:sp>
           <p:nvSpPr>
-            <p:cNvPr id="301" name="B:50"/>
+            <p:cNvPr id="307" name="B:50"/>
             <p:cNvSpPr/>
             <p:nvPr/>
           </p:nvSpPr>
@@ -7765,7 +7927,7 @@
         </p:sp>
         <p:sp>
           <p:nvSpPr>
-            <p:cNvPr id="302" name="TXA1’’"/>
+            <p:cNvPr id="308" name="TXA1’’"/>
             <p:cNvSpPr txBox="1"/>
             <p:nvPr/>
           </p:nvSpPr>
@@ -7804,7 +7966,7 @@
         </p:sp>
         <p:sp>
           <p:nvSpPr>
-            <p:cNvPr id="303" name="I"/>
+            <p:cNvPr id="309" name="I"/>
             <p:cNvSpPr txBox="1"/>
             <p:nvPr/>
           </p:nvSpPr>
@@ -7843,7 +8005,7 @@
         </p:sp>
         <p:sp>
           <p:nvSpPr>
-            <p:cNvPr id="304" name="O"/>
+            <p:cNvPr id="310" name="O"/>
             <p:cNvSpPr txBox="1"/>
             <p:nvPr/>
           </p:nvSpPr>
@@ -7883,7 +8045,7 @@
       </p:grpSp>
       <p:grpSp>
         <p:nvGrpSpPr>
-          <p:cNvPr id="312" name="成组"/>
+          <p:cNvPr id="318" name="成组"/>
           <p:cNvGrpSpPr/>
           <p:nvPr/>
         </p:nvGrpSpPr>
@@ -7897,7 +8059,7 @@
         </p:grpSpPr>
         <p:sp>
           <p:nvSpPr>
-            <p:cNvPr id="306" name="TXB1…"/>
+            <p:cNvPr id="312" name="TXB1…"/>
             <p:cNvSpPr/>
             <p:nvPr/>
           </p:nvSpPr>
@@ -7958,7 +8120,7 @@
         </p:sp>
         <p:sp>
           <p:nvSpPr>
-            <p:cNvPr id="307" name="B3:50"/>
+            <p:cNvPr id="313" name="B3:50"/>
             <p:cNvSpPr/>
             <p:nvPr/>
           </p:nvSpPr>
@@ -8008,7 +8170,7 @@
         </p:sp>
         <p:sp>
           <p:nvSpPr>
-            <p:cNvPr id="308" name="TXB1’"/>
+            <p:cNvPr id="314" name="TXB1’"/>
             <p:cNvSpPr txBox="1"/>
             <p:nvPr/>
           </p:nvSpPr>
@@ -8047,7 +8209,7 @@
         </p:sp>
         <p:sp>
           <p:nvSpPr>
-            <p:cNvPr id="309" name="I"/>
+            <p:cNvPr id="315" name="I"/>
             <p:cNvSpPr txBox="1"/>
             <p:nvPr/>
           </p:nvSpPr>
@@ -8086,7 +8248,7 @@
         </p:sp>
         <p:sp>
           <p:nvSpPr>
-            <p:cNvPr id="310" name="O"/>
+            <p:cNvPr id="316" name="O"/>
             <p:cNvSpPr txBox="1"/>
             <p:nvPr/>
           </p:nvSpPr>
@@ -8125,7 +8287,7 @@
         </p:sp>
         <p:sp>
           <p:nvSpPr>
-            <p:cNvPr id="311" name="sequence:1000"/>
+            <p:cNvPr id="317" name="sequence:1000"/>
             <p:cNvSpPr/>
             <p:nvPr/>
           </p:nvSpPr>
@@ -8178,7 +8340,7 @@
       </p:grpSp>
       <p:grpSp>
         <p:nvGrpSpPr>
-          <p:cNvPr id="318" name="成组"/>
+          <p:cNvPr id="324" name="成组"/>
           <p:cNvGrpSpPr/>
           <p:nvPr/>
         </p:nvGrpSpPr>
@@ -8192,7 +8354,7 @@
         </p:grpSpPr>
         <p:sp>
           <p:nvSpPr>
-            <p:cNvPr id="313" name="TXB1…"/>
+            <p:cNvPr id="319" name="TXB1…"/>
             <p:cNvSpPr/>
             <p:nvPr/>
           </p:nvSpPr>
@@ -8253,7 +8415,7 @@
         </p:sp>
         <p:sp>
           <p:nvSpPr>
-            <p:cNvPr id="314" name="A:50"/>
+            <p:cNvPr id="320" name="A:50"/>
             <p:cNvSpPr/>
             <p:nvPr/>
           </p:nvSpPr>
@@ -8303,7 +8465,7 @@
         </p:sp>
         <p:sp>
           <p:nvSpPr>
-            <p:cNvPr id="315" name="TXB1’’"/>
+            <p:cNvPr id="321" name="TXB1’’"/>
             <p:cNvSpPr txBox="1"/>
             <p:nvPr/>
           </p:nvSpPr>
@@ -8342,7 +8504,7 @@
         </p:sp>
         <p:sp>
           <p:nvSpPr>
-            <p:cNvPr id="316" name="I"/>
+            <p:cNvPr id="322" name="I"/>
             <p:cNvSpPr txBox="1"/>
             <p:nvPr/>
           </p:nvSpPr>
@@ -8381,7 +8543,7 @@
         </p:sp>
         <p:sp>
           <p:nvSpPr>
-            <p:cNvPr id="317" name="O"/>
+            <p:cNvPr id="323" name="O"/>
             <p:cNvSpPr txBox="1"/>
             <p:nvPr/>
           </p:nvSpPr>
@@ -8421,7 +8583,7 @@
       </p:grpSp>
       <p:sp>
         <p:nvSpPr>
-          <p:cNvPr id="319" name="延时到账交易"/>
+          <p:cNvPr id="325" name="延时到账交易"/>
           <p:cNvSpPr/>
           <p:nvPr/>
         </p:nvSpPr>
@@ -8467,7 +8629,7 @@
       </p:sp>
       <p:sp>
         <p:nvSpPr>
-          <p:cNvPr id="320" name="作废延时到账交易"/>
+          <p:cNvPr id="326" name="作废延时到账交易"/>
           <p:cNvSpPr/>
           <p:nvPr/>
         </p:nvSpPr>
@@ -8513,7 +8675,7 @@
       </p:sp>
       <p:sp>
         <p:nvSpPr>
-          <p:cNvPr id="321" name="线条"/>
+          <p:cNvPr id="327" name="线条"/>
           <p:cNvSpPr/>
           <p:nvPr/>
         </p:nvSpPr>
@@ -8550,7 +8712,7 @@
       </p:sp>
       <p:sp>
         <p:nvSpPr>
-          <p:cNvPr id="322" name="线条"/>
+          <p:cNvPr id="328" name="线条"/>
           <p:cNvSpPr/>
           <p:nvPr/>
         </p:nvSpPr>
@@ -8594,7 +8756,7 @@
 </p:sld>
 </file>
 
-<file path=ppt/slides/slide21.xml><?xml version="1.0" encoding="utf-8"?>
+<file path=ppt/slides/slide23.xml><?xml version="1.0" encoding="utf-8"?>
 <p:sld xmlns:a="http://schemas.openxmlformats.org/drawingml/2006/main" xmlns:r="http://schemas.openxmlformats.org/officeDocument/2006/relationships" xmlns:p="http://schemas.openxmlformats.org/presentationml/2006/main" showMasterSp="1" showMasterPhAnim="1">
   <p:cSld>
     <p:spTree>
@@ -8613,7 +8775,7 @@
       </p:grpSpPr>
       <p:sp>
         <p:nvSpPr>
-          <p:cNvPr id="324" name="HTLC"/>
+          <p:cNvPr id="330" name="HTLC"/>
           <p:cNvSpPr txBox="1"/>
           <p:nvPr>
             <p:ph type="title"/>
@@ -8637,7 +8799,7 @@
       </p:sp>
       <p:sp>
         <p:nvSpPr>
-          <p:cNvPr id="325" name="带时钟的哈希锁定合约（ Hashed Timelock Contract）…"/>
+          <p:cNvPr id="331" name="带时钟的哈希锁定合约（ Hashed Timelock Contract）…"/>
           <p:cNvSpPr txBox="1"/>
           <p:nvPr>
             <p:ph type="body" idx="1"/>
@@ -8683,7 +8845,7 @@
 </p:sld>
 </file>
 
-<file path=ppt/slides/slide22.xml><?xml version="1.0" encoding="utf-8"?>
+<file path=ppt/slides/slide24.xml><?xml version="1.0" encoding="utf-8"?>
 <p:sld xmlns:a="http://schemas.openxmlformats.org/drawingml/2006/main" xmlns:r="http://schemas.openxmlformats.org/officeDocument/2006/relationships" xmlns:p="http://schemas.openxmlformats.org/presentationml/2006/main" showMasterSp="1" showMasterPhAnim="1">
   <p:cSld>
     <p:spTree>
@@ -8702,7 +8864,7 @@
       </p:grpSpPr>
       <p:sp>
         <p:nvSpPr>
-          <p:cNvPr id="327" name="HTLC"/>
+          <p:cNvPr id="333" name="HTLC"/>
           <p:cNvSpPr txBox="1"/>
           <p:nvPr>
             <p:ph type="title"/>
@@ -8726,7 +8888,7 @@
       </p:sp>
       <p:grpSp>
         <p:nvGrpSpPr>
-          <p:cNvPr id="335" name="成组"/>
+          <p:cNvPr id="341" name="成组"/>
           <p:cNvGrpSpPr/>
           <p:nvPr/>
         </p:nvGrpSpPr>
@@ -8740,7 +8902,7 @@
         </p:grpSpPr>
         <p:sp>
           <p:nvSpPr>
-            <p:cNvPr id="328" name="线条"/>
+            <p:cNvPr id="334" name="线条"/>
             <p:cNvSpPr/>
             <p:nvPr/>
           </p:nvSpPr>
@@ -8781,7 +8943,7 @@
         </p:sp>
         <p:sp>
           <p:nvSpPr>
-            <p:cNvPr id="329" name="RSMC"/>
+            <p:cNvPr id="335" name="RSMC"/>
             <p:cNvSpPr txBox="1"/>
             <p:nvPr/>
           </p:nvSpPr>
@@ -8820,7 +8982,7 @@
         </p:sp>
         <p:sp>
           <p:nvSpPr>
-            <p:cNvPr id="330" name="A"/>
+            <p:cNvPr id="336" name="A"/>
             <p:cNvSpPr/>
             <p:nvPr/>
           </p:nvSpPr>
@@ -8872,7 +9034,7 @@
         </p:sp>
         <p:sp>
           <p:nvSpPr>
-            <p:cNvPr id="331" name="线条"/>
+            <p:cNvPr id="337" name="线条"/>
             <p:cNvSpPr/>
             <p:nvPr/>
           </p:nvSpPr>
@@ -8913,7 +9075,7 @@
         </p:sp>
         <p:sp>
           <p:nvSpPr>
-            <p:cNvPr id="332" name="RSMC"/>
+            <p:cNvPr id="338" name="RSMC"/>
             <p:cNvSpPr txBox="1"/>
             <p:nvPr/>
           </p:nvSpPr>
@@ -8952,7 +9114,7 @@
         </p:sp>
         <p:sp>
           <p:nvSpPr>
-            <p:cNvPr id="333" name="B"/>
+            <p:cNvPr id="339" name="B"/>
             <p:cNvSpPr/>
             <p:nvPr/>
           </p:nvSpPr>
@@ -9004,7 +9166,7 @@
         </p:sp>
         <p:sp>
           <p:nvSpPr>
-            <p:cNvPr id="334" name="C"/>
+            <p:cNvPr id="340" name="C"/>
             <p:cNvSpPr/>
             <p:nvPr/>
           </p:nvSpPr>
@@ -9057,7 +9219,7 @@
       </p:grpSp>
       <p:sp>
         <p:nvSpPr>
-          <p:cNvPr id="336" name="HTLC"/>
+          <p:cNvPr id="342" name="HTLC"/>
           <p:cNvSpPr/>
           <p:nvPr/>
         </p:nvSpPr>
@@ -9108,7 +9270,7 @@
       </p:sp>
       <p:pic>
         <p:nvPicPr>
-          <p:cNvPr id="337" name="fullsizeoutput_33.jpeg" descr="fullsizeoutput_33.jpeg"/>
+          <p:cNvPr id="343" name="fullsizeoutput_33.jpeg" descr="fullsizeoutput_33.jpeg"/>
           <p:cNvPicPr>
             <a:picLocks noChangeAspect="1"/>
           </p:cNvPicPr>
@@ -9137,7 +9299,7 @@
       </p:pic>
       <p:sp>
         <p:nvSpPr>
-          <p:cNvPr id="338" name="HTLC锁定脚本:"/>
+          <p:cNvPr id="344" name="HTLC锁定脚本:"/>
           <p:cNvSpPr txBox="1"/>
           <p:nvPr/>
         </p:nvSpPr>
@@ -9180,7 +9342,7 @@
 </p:sld>
 </file>
 
-<file path=ppt/slides/slide23.xml><?xml version="1.0" encoding="utf-8"?>
+<file path=ppt/slides/slide25.xml><?xml version="1.0" encoding="utf-8"?>
 <p:sld xmlns:a="http://schemas.openxmlformats.org/drawingml/2006/main" xmlns:r="http://schemas.openxmlformats.org/officeDocument/2006/relationships" xmlns:p="http://schemas.openxmlformats.org/presentationml/2006/main" showMasterSp="1" showMasterPhAnim="1">
   <p:cSld>
     <p:spTree>
@@ -9199,7 +9361,7 @@
       </p:grpSpPr>
       <p:sp>
         <p:nvSpPr>
-          <p:cNvPr id="340" name="HTLC"/>
+          <p:cNvPr id="346" name="HTLC"/>
           <p:cNvSpPr txBox="1"/>
           <p:nvPr>
             <p:ph type="title"/>
@@ -9223,7 +9385,7 @@
       </p:sp>
       <p:grpSp>
         <p:nvGrpSpPr>
-          <p:cNvPr id="347" name="成组"/>
+          <p:cNvPr id="353" name="成组"/>
           <p:cNvGrpSpPr/>
           <p:nvPr/>
         </p:nvGrpSpPr>
@@ -9237,7 +9399,7 @@
         </p:grpSpPr>
         <p:sp>
           <p:nvSpPr>
-            <p:cNvPr id="341" name="B"/>
+            <p:cNvPr id="347" name="B"/>
             <p:cNvSpPr/>
             <p:nvPr/>
           </p:nvSpPr>
@@ -9289,7 +9451,7 @@
         </p:sp>
         <p:sp>
           <p:nvSpPr>
-            <p:cNvPr id="342" name="A"/>
+            <p:cNvPr id="348" name="A"/>
             <p:cNvSpPr/>
             <p:nvPr/>
           </p:nvSpPr>
@@ -9341,7 +9503,7 @@
         </p:sp>
         <p:sp>
           <p:nvSpPr>
-            <p:cNvPr id="343" name="C"/>
+            <p:cNvPr id="349" name="C"/>
             <p:cNvSpPr/>
             <p:nvPr/>
           </p:nvSpPr>
@@ -9393,7 +9555,7 @@
         </p:sp>
         <p:sp>
           <p:nvSpPr>
-            <p:cNvPr id="344" name="线条"/>
+            <p:cNvPr id="350" name="线条"/>
             <p:cNvSpPr/>
             <p:nvPr/>
           </p:nvSpPr>
@@ -9434,7 +9596,7 @@
         </p:sp>
         <p:sp>
           <p:nvSpPr>
-            <p:cNvPr id="345" name="线条"/>
+            <p:cNvPr id="351" name="线条"/>
             <p:cNvSpPr/>
             <p:nvPr/>
           </p:nvSpPr>
@@ -9475,7 +9637,7 @@
         </p:sp>
         <p:sp>
           <p:nvSpPr>
-            <p:cNvPr id="346" name="1"/>
+            <p:cNvPr id="352" name="1"/>
             <p:cNvSpPr/>
             <p:nvPr/>
           </p:nvSpPr>
@@ -9524,7 +9686,7 @@
       </p:grpSp>
       <p:grpSp>
         <p:nvGrpSpPr>
-          <p:cNvPr id="354" name="成组"/>
+          <p:cNvPr id="360" name="成组"/>
           <p:cNvGrpSpPr/>
           <p:nvPr/>
         </p:nvGrpSpPr>
@@ -9538,7 +9700,7 @@
         </p:grpSpPr>
         <p:sp>
           <p:nvSpPr>
-            <p:cNvPr id="348" name="B"/>
+            <p:cNvPr id="354" name="B"/>
             <p:cNvSpPr/>
             <p:nvPr/>
           </p:nvSpPr>
@@ -9590,7 +9752,7 @@
         </p:sp>
         <p:sp>
           <p:nvSpPr>
-            <p:cNvPr id="349" name="A"/>
+            <p:cNvPr id="355" name="A"/>
             <p:cNvSpPr/>
             <p:nvPr/>
           </p:nvSpPr>
@@ -9642,7 +9804,7 @@
         </p:sp>
         <p:sp>
           <p:nvSpPr>
-            <p:cNvPr id="350" name="C"/>
+            <p:cNvPr id="356" name="C"/>
             <p:cNvSpPr/>
             <p:nvPr/>
           </p:nvSpPr>
@@ -9694,7 +9856,7 @@
         </p:sp>
         <p:sp>
           <p:nvSpPr>
-            <p:cNvPr id="351" name="线条"/>
+            <p:cNvPr id="357" name="线条"/>
             <p:cNvSpPr/>
             <p:nvPr/>
           </p:nvSpPr>
@@ -9735,7 +9897,7 @@
         </p:sp>
         <p:sp>
           <p:nvSpPr>
-            <p:cNvPr id="352" name="线条"/>
+            <p:cNvPr id="358" name="线条"/>
             <p:cNvSpPr/>
             <p:nvPr/>
           </p:nvSpPr>
@@ -9776,7 +9938,7 @@
         </p:sp>
         <p:sp>
           <p:nvSpPr>
-            <p:cNvPr id="353" name="2"/>
+            <p:cNvPr id="359" name="2"/>
             <p:cNvSpPr/>
             <p:nvPr/>
           </p:nvSpPr>
@@ -9825,7 +9987,7 @@
       </p:grpSp>
       <p:grpSp>
         <p:nvGrpSpPr>
-          <p:cNvPr id="361" name="成组"/>
+          <p:cNvPr id="367" name="成组"/>
           <p:cNvGrpSpPr/>
           <p:nvPr/>
         </p:nvGrpSpPr>
@@ -9839,7 +10001,7 @@
         </p:grpSpPr>
         <p:sp>
           <p:nvSpPr>
-            <p:cNvPr id="355" name="B"/>
+            <p:cNvPr id="361" name="B"/>
             <p:cNvSpPr/>
             <p:nvPr/>
           </p:nvSpPr>
@@ -9891,7 +10053,7 @@
         </p:sp>
         <p:sp>
           <p:nvSpPr>
-            <p:cNvPr id="356" name="A"/>
+            <p:cNvPr id="362" name="A"/>
             <p:cNvSpPr/>
             <p:nvPr/>
           </p:nvSpPr>
@@ -9943,7 +10105,7 @@
         </p:sp>
         <p:sp>
           <p:nvSpPr>
-            <p:cNvPr id="357" name="C"/>
+            <p:cNvPr id="363" name="C"/>
             <p:cNvSpPr/>
             <p:nvPr/>
           </p:nvSpPr>
@@ -9995,7 +10157,7 @@
         </p:sp>
         <p:sp>
           <p:nvSpPr>
-            <p:cNvPr id="358" name="线条"/>
+            <p:cNvPr id="364" name="线条"/>
             <p:cNvSpPr/>
             <p:nvPr/>
           </p:nvSpPr>
@@ -10036,7 +10198,7 @@
         </p:sp>
         <p:sp>
           <p:nvSpPr>
-            <p:cNvPr id="359" name="线条"/>
+            <p:cNvPr id="365" name="线条"/>
             <p:cNvSpPr/>
             <p:nvPr/>
           </p:nvSpPr>
@@ -10077,7 +10239,7 @@
         </p:sp>
         <p:sp>
           <p:nvSpPr>
-            <p:cNvPr id="360" name="3"/>
+            <p:cNvPr id="366" name="3"/>
             <p:cNvSpPr/>
             <p:nvPr/>
           </p:nvSpPr>
@@ -10126,7 +10288,7 @@
       </p:grpSp>
       <p:sp>
         <p:nvSpPr>
-          <p:cNvPr id="362" name="R-&gt;hash(R)=H"/>
+          <p:cNvPr id="368" name="R-&gt;hash(R)=H"/>
           <p:cNvSpPr txBox="1"/>
           <p:nvPr/>
         </p:nvSpPr>
@@ -10162,7 +10324,7 @@
       </p:sp>
       <p:pic>
         <p:nvPicPr>
-          <p:cNvPr id="369" name="连接线" descr="连接线"/>
+          <p:cNvPr id="375" name="连接线" descr="连接线"/>
           <p:cNvPicPr>
             <a:picLocks noChangeAspect="0"/>
           </p:cNvPicPr>
@@ -10188,7 +10350,7 @@
       </p:pic>
       <p:pic>
         <p:nvPicPr>
-          <p:cNvPr id="371" name="连接线" descr="连接线"/>
+          <p:cNvPr id="377" name="连接线" descr="连接线"/>
           <p:cNvPicPr>
             <a:picLocks noChangeAspect="0"/>
           </p:cNvPicPr>
@@ -10214,7 +10376,7 @@
       </p:pic>
       <p:pic>
         <p:nvPicPr>
-          <p:cNvPr id="373" name="连接线" descr="连接线"/>
+          <p:cNvPr id="379" name="连接线" descr="连接线"/>
           <p:cNvPicPr>
             <a:picLocks noChangeAspect="0"/>
           </p:cNvPicPr>
@@ -10240,7 +10402,7 @@
       </p:pic>
       <p:sp>
         <p:nvSpPr>
-          <p:cNvPr id="366" name="H"/>
+          <p:cNvPr id="372" name="H"/>
           <p:cNvSpPr txBox="1"/>
           <p:nvPr/>
         </p:nvSpPr>
@@ -10276,7 +10438,7 @@
       </p:sp>
       <p:sp>
         <p:nvSpPr>
-          <p:cNvPr id="367" name="G"/>
+          <p:cNvPr id="373" name="G"/>
           <p:cNvSpPr txBox="1"/>
           <p:nvPr/>
         </p:nvSpPr>
@@ -10312,7 +10474,7 @@
       </p:sp>
       <p:sp>
         <p:nvSpPr>
-          <p:cNvPr id="368" name="A需要给C转1BTC。…"/>
+          <p:cNvPr id="374" name="A需要给C转1BTC。…"/>
           <p:cNvSpPr txBox="1"/>
           <p:nvPr/>
         </p:nvSpPr>
@@ -10373,7 +10535,7 @@
 </p:sld>
 </file>
 
-<file path=ppt/slides/slide24.xml><?xml version="1.0" encoding="utf-8"?>
+<file path=ppt/slides/slide26.xml><?xml version="1.0" encoding="utf-8"?>
 <p:sld xmlns:a="http://schemas.openxmlformats.org/drawingml/2006/main" xmlns:r="http://schemas.openxmlformats.org/officeDocument/2006/relationships" xmlns:p="http://schemas.openxmlformats.org/presentationml/2006/main" showMasterSp="1" showMasterPhAnim="1">
   <p:cSld>
     <p:spTree>
@@ -10392,7 +10554,7 @@
       </p:grpSpPr>
       <p:sp>
         <p:nvSpPr>
-          <p:cNvPr id="376" name="HTLC"/>
+          <p:cNvPr id="382" name="HTLC"/>
           <p:cNvSpPr txBox="1"/>
           <p:nvPr>
             <p:ph type="title"/>
@@ -10416,7 +10578,7 @@
       </p:sp>
       <p:pic>
         <p:nvPicPr>
-          <p:cNvPr id="377" name="fullsizeoutput_34.jpeg" descr="fullsizeoutput_34.jpeg"/>
+          <p:cNvPr id="383" name="fullsizeoutput_34.jpeg" descr="fullsizeoutput_34.jpeg"/>
           <p:cNvPicPr>
             <a:picLocks noChangeAspect="1"/>
           </p:cNvPicPr>
@@ -10452,7 +10614,7 @@
 </p:sld>
 </file>
 
-<file path=ppt/slides/slide25.xml><?xml version="1.0" encoding="utf-8"?>
+<file path=ppt/slides/slide27.xml><?xml version="1.0" encoding="utf-8"?>
 <p:sld xmlns:a="http://schemas.openxmlformats.org/drawingml/2006/main" xmlns:r="http://schemas.openxmlformats.org/officeDocument/2006/relationships" xmlns:p="http://schemas.openxmlformats.org/presentationml/2006/main" showMasterSp="1" showMasterPhAnim="1">
   <p:cSld>
     <p:spTree>
@@ -10471,7 +10633,7 @@
       </p:grpSpPr>
       <p:sp>
         <p:nvSpPr>
-          <p:cNvPr id="379" name="HTLC"/>
+          <p:cNvPr id="385" name="HTLC"/>
           <p:cNvSpPr txBox="1"/>
           <p:nvPr>
             <p:ph type="title"/>
@@ -10493,9 +10655,167 @@
           </a:p>
         </p:txBody>
       </p:sp>
+      <p:pic>
+        <p:nvPicPr>
+          <p:cNvPr id="386" name="fullsizeoutput_35.jpeg" descr="fullsizeoutput_35.jpeg"/>
+          <p:cNvPicPr>
+            <a:picLocks noChangeAspect="1"/>
+          </p:cNvPicPr>
+          <p:nvPr/>
+        </p:nvPicPr>
+        <p:blipFill>
+          <a:blip r:embed="rId2">
+            <a:extLst/>
+          </a:blip>
+          <a:stretch>
+            <a:fillRect/>
+          </a:stretch>
+        </p:blipFill>
+        <p:spPr>
+          <a:xfrm>
+            <a:off x="36915" y="1959367"/>
+            <a:ext cx="12930970" cy="6941696"/>
+          </a:xfrm>
+          <a:prstGeom prst="rect">
+            <a:avLst/>
+          </a:prstGeom>
+          <a:ln w="12700">
+            <a:miter lim="400000"/>
+          </a:ln>
+        </p:spPr>
+      </p:pic>
+    </p:spTree>
+  </p:cSld>
+  <p:clrMapOvr>
+    <a:masterClrMapping/>
+  </p:clrMapOvr>
+  <p:transition xmlns:p14="http://schemas.microsoft.com/office/powerpoint/2010/main" spd="med" advClick="1"/>
+</p:sld>
+</file>
+
+<file path=ppt/slides/slide28.xml><?xml version="1.0" encoding="utf-8"?>
+<p:sld xmlns:a="http://schemas.openxmlformats.org/drawingml/2006/main" xmlns:r="http://schemas.openxmlformats.org/officeDocument/2006/relationships" xmlns:p="http://schemas.openxmlformats.org/presentationml/2006/main" showMasterSp="1" showMasterPhAnim="1">
+  <p:cSld>
+    <p:spTree>
+      <p:nvGrpSpPr>
+        <p:cNvPr id="1" name=""/>
+        <p:cNvGrpSpPr/>
+        <p:nvPr/>
+      </p:nvGrpSpPr>
+      <p:grpSpPr>
+        <a:xfrm>
+          <a:off x="0" y="0"/>
+          <a:ext cx="0" cy="0"/>
+          <a:chOff x="0" y="0"/>
+          <a:chExt cx="0" cy="0"/>
+        </a:xfrm>
+      </p:grpSpPr>
       <p:sp>
         <p:nvSpPr>
-          <p:cNvPr id="380" name="TO BE CONTINUE"/>
+          <p:cNvPr id="388" name="HTLC"/>
+          <p:cNvSpPr txBox="1"/>
+          <p:nvPr>
+            <p:ph type="title"/>
+          </p:nvPr>
+        </p:nvSpPr>
+        <p:spPr>
+          <a:prstGeom prst="rect">
+            <a:avLst/>
+          </a:prstGeom>
+        </p:spPr>
+        <p:txBody>
+          <a:bodyPr/>
+          <a:lstStyle/>
+          <a:p>
+            <a:pPr/>
+            <a:r>
+              <a:t>HTLC</a:t>
+            </a:r>
+          </a:p>
+        </p:txBody>
+      </p:sp>
+      <p:pic>
+        <p:nvPicPr>
+          <p:cNvPr id="389" name="fullsizeoutput_36.jpeg" descr="fullsizeoutput_36.jpeg"/>
+          <p:cNvPicPr>
+            <a:picLocks noChangeAspect="1"/>
+          </p:cNvPicPr>
+          <p:nvPr/>
+        </p:nvPicPr>
+        <p:blipFill>
+          <a:blip r:embed="rId2">
+            <a:extLst/>
+          </a:blip>
+          <a:stretch>
+            <a:fillRect/>
+          </a:stretch>
+        </p:blipFill>
+        <p:spPr>
+          <a:xfrm>
+            <a:off x="2921601" y="2033100"/>
+            <a:ext cx="8000399" cy="7504600"/>
+          </a:xfrm>
+          <a:prstGeom prst="rect">
+            <a:avLst/>
+          </a:prstGeom>
+          <a:ln w="12700">
+            <a:miter lim="400000"/>
+          </a:ln>
+        </p:spPr>
+      </p:pic>
+    </p:spTree>
+  </p:cSld>
+  <p:clrMapOvr>
+    <a:masterClrMapping/>
+  </p:clrMapOvr>
+  <p:transition xmlns:p14="http://schemas.microsoft.com/office/powerpoint/2010/main" spd="med" advClick="1"/>
+</p:sld>
+</file>
+
+<file path=ppt/slides/slide29.xml><?xml version="1.0" encoding="utf-8"?>
+<p:sld xmlns:a="http://schemas.openxmlformats.org/drawingml/2006/main" xmlns:r="http://schemas.openxmlformats.org/officeDocument/2006/relationships" xmlns:p="http://schemas.openxmlformats.org/presentationml/2006/main" showMasterSp="1" showMasterPhAnim="1">
+  <p:cSld>
+    <p:spTree>
+      <p:nvGrpSpPr>
+        <p:cNvPr id="1" name=""/>
+        <p:cNvGrpSpPr/>
+        <p:nvPr/>
+      </p:nvGrpSpPr>
+      <p:grpSpPr>
+        <a:xfrm>
+          <a:off x="0" y="0"/>
+          <a:ext cx="0" cy="0"/>
+          <a:chOff x="0" y="0"/>
+          <a:chExt cx="0" cy="0"/>
+        </a:xfrm>
+      </p:grpSpPr>
+      <p:sp>
+        <p:nvSpPr>
+          <p:cNvPr id="391" name="HTLC"/>
+          <p:cNvSpPr txBox="1"/>
+          <p:nvPr>
+            <p:ph type="title"/>
+          </p:nvPr>
+        </p:nvSpPr>
+        <p:spPr>
+          <a:prstGeom prst="rect">
+            <a:avLst/>
+          </a:prstGeom>
+        </p:spPr>
+        <p:txBody>
+          <a:bodyPr/>
+          <a:lstStyle/>
+          <a:p>
+            <a:pPr/>
+            <a:r>
+              <a:t>HTLC</a:t>
+            </a:r>
+          </a:p>
+        </p:txBody>
+      </p:sp>
+      <p:sp>
+        <p:nvSpPr>
+          <p:cNvPr id="392" name="TO BE CONTINUE"/>
           <p:cNvSpPr txBox="1"/>
           <p:nvPr/>
         </p:nvSpPr>
